--- a/numpy_egs.pptx
+++ b/numpy_egs.pptx
@@ -142,6 +142,11 @@
       </a:defRPr>
     </a:lvl9pPr>
   </p:defaultTextStyle>
+  <p:extLst>
+    <p:ext uri="{EFAFB233-063F-42B5-8137-9DF3F51BA10A}">
+      <p15:sldGuideLst xmlns:p15="http://schemas.microsoft.com/office/powerpoint/2012/main"/>
+    </p:ext>
+  </p:extLst>
 </p:presentation>
 </file>
 
@@ -227,7 +232,7 @@
           <a:p>
             <a:fld id="{C23F66DC-A758-4CE0-95F4-6F35C123F090}" type="datetimeFigureOut">
               <a:rPr lang="en-US" smtClean="0"/>
-              <a:t>4/16/2021</a:t>
+              <a:t>4/19/2021</a:t>
             </a:fld>
             <a:endParaRPr lang="en-US"/>
           </a:p>
@@ -658,7 +663,7 @@
           <a:p>
             <a:fld id="{39E22544-DDA2-4F5D-A501-A1DEB9D31432}" type="datetime1">
               <a:rPr lang="en-US" smtClean="0"/>
-              <a:t>4/16/2021</a:t>
+              <a:t>4/19/2021</a:t>
             </a:fld>
             <a:endParaRPr lang="en-US"/>
           </a:p>
@@ -10342,7 +10347,7 @@
           <a:p>
             <a:fld id="{8B8E2774-DA68-46A0-A549-DED4F428FF9D}" type="datetime1">
               <a:rPr lang="en-US" smtClean="0"/>
-              <a:t>4/16/2021</a:t>
+              <a:t>4/19/2021</a:t>
             </a:fld>
             <a:endParaRPr lang="en-US"/>
           </a:p>
@@ -10540,7 +10545,7 @@
           <a:p>
             <a:fld id="{D434A322-8AC6-4CB3-A0E2-362DB5658CE1}" type="datetime1">
               <a:rPr lang="en-US" smtClean="0"/>
-              <a:t>4/16/2021</a:t>
+              <a:t>4/19/2021</a:t>
             </a:fld>
             <a:endParaRPr lang="en-US"/>
           </a:p>
@@ -10748,7 +10753,7 @@
           <a:p>
             <a:fld id="{28F403C5-B9F8-4A44-8220-6ED7CFB11DD8}" type="datetime1">
               <a:rPr lang="en-US" smtClean="0"/>
-              <a:t>4/16/2021</a:t>
+              <a:t>4/19/2021</a:t>
             </a:fld>
             <a:endParaRPr lang="en-US"/>
           </a:p>
@@ -10958,7 +10963,7 @@
           <a:p>
             <a:fld id="{BD9CA2B3-DA16-4774-8301-A547EB4E3F94}" type="datetime1">
               <a:rPr lang="en-US" smtClean="0"/>
-              <a:t>4/16/2021</a:t>
+              <a:t>4/19/2021</a:t>
             </a:fld>
             <a:endParaRPr lang="en-US"/>
           </a:p>
@@ -11268,7 +11273,7 @@
           <a:p>
             <a:fld id="{C3D1EB1A-0536-4D96-A6C3-BB6D0F465193}" type="datetime1">
               <a:rPr lang="en-US" smtClean="0"/>
-              <a:t>4/16/2021</a:t>
+              <a:t>4/19/2021</a:t>
             </a:fld>
             <a:endParaRPr lang="en-US"/>
           </a:p>
@@ -11713,7 +11718,7 @@
           <a:p>
             <a:fld id="{6E974220-7916-49F9-9253-8EA2F67ADCE6}" type="datetime1">
               <a:rPr lang="en-US" smtClean="0"/>
-              <a:t>4/16/2021</a:t>
+              <a:t>4/19/2021</a:t>
             </a:fld>
             <a:endParaRPr lang="en-US"/>
           </a:p>
@@ -11853,7 +11858,7 @@
           <a:p>
             <a:fld id="{76231E1F-B44F-424F-9BAA-75FC4FC389BF}" type="datetime1">
               <a:rPr lang="en-US" smtClean="0"/>
-              <a:t>4/16/2021</a:t>
+              <a:t>4/19/2021</a:t>
             </a:fld>
             <a:endParaRPr lang="en-US"/>
           </a:p>
@@ -11966,7 +11971,7 @@
           <a:p>
             <a:fld id="{1831751E-D112-4210-852F-4DD02A6F1BBF}" type="datetime1">
               <a:rPr lang="en-US" smtClean="0"/>
-              <a:t>4/16/2021</a:t>
+              <a:t>4/19/2021</a:t>
             </a:fld>
             <a:endParaRPr lang="en-US"/>
           </a:p>
@@ -12261,7 +12266,7 @@
           <a:p>
             <a:fld id="{648D4FA0-C3A7-4097-A001-6F5F145B979B}" type="datetime1">
               <a:rPr lang="en-US" smtClean="0"/>
-              <a:t>4/16/2021</a:t>
+              <a:t>4/19/2021</a:t>
             </a:fld>
             <a:endParaRPr lang="en-US"/>
           </a:p>
@@ -12445,7 +12450,6 @@
               <a:rPr lang="en-US" noProof="0" smtClean="0"/>
               <a:t>Click icon to add picture</a:t>
             </a:r>
-            <a:endParaRPr lang="en-US" noProof="0" smtClean="0"/>
           </a:p>
         </p:txBody>
       </p:sp>
@@ -12537,7 +12541,7 @@
           <a:p>
             <a:fld id="{AE405A65-50D5-418E-AF44-5C1CD2BF401B}" type="datetime1">
               <a:rPr lang="en-US" smtClean="0"/>
-              <a:t>4/16/2021</a:t>
+              <a:t>4/19/2021</a:t>
             </a:fld>
             <a:endParaRPr lang="en-US"/>
           </a:p>
@@ -12825,7 +12829,7 @@
           <a:p>
             <a:fld id="{E22EB46D-A3F2-4A1A-B728-B19A519C04B9}" type="datetime1">
               <a:rPr lang="en-US" smtClean="0"/>
-              <a:t>4/16/2021</a:t>
+              <a:t>4/19/2021</a:t>
             </a:fld>
             <a:endParaRPr lang="en-US"/>
           </a:p>
@@ -22227,8 +22231,25 @@
           <a:p>
             <a:r>
               <a:rPr lang="en-US" sz="1400" dirty="0"/>
-              <a:t>Image source: https://medium.com/ai%C2%B3-theory-practice-business/fastai-partii-lesson08-notes-fddcdb6526bb</a:t>
+              <a:t>Image source: </a:t>
             </a:r>
+            <a:r>
+              <a:rPr lang="en-US" sz="1400" dirty="0">
+                <a:hlinkClick r:id="rId3"/>
+              </a:rPr>
+              <a:t>https://</a:t>
+            </a:r>
+            <a:r>
+              <a:rPr lang="en-US" sz="1400" dirty="0" smtClean="0">
+                <a:hlinkClick r:id="rId3"/>
+              </a:rPr>
+              <a:t>medium.com/ai%C2%B3-theory-practice-business/fastai-partii-lesson08-notes-fddcdb6526bb</a:t>
+            </a:r>
+            <a:r>
+              <a:rPr lang="en-US" sz="1400" dirty="0" smtClean="0"/>
+              <a:t> </a:t>
+            </a:r>
+            <a:endParaRPr lang="en-US" sz="1400" dirty="0"/>
           </a:p>
         </p:txBody>
       </p:sp>
@@ -22303,30 +22324,6 @@
           </a:p>
         </p:txBody>
       </p:sp>
-      <p:pic>
-        <p:nvPicPr>
-          <p:cNvPr id="5" name="Picture 4"/>
-          <p:cNvPicPr>
-            <a:picLocks noChangeAspect="1"/>
-          </p:cNvPicPr>
-          <p:nvPr/>
-        </p:nvPicPr>
-        <p:blipFill>
-          <a:blip r:embed="rId2"/>
-          <a:stretch>
-            <a:fillRect/>
-          </a:stretch>
-        </p:blipFill>
-        <p:spPr>
-          <a:xfrm>
-            <a:off x="1017702" y="1219199"/>
-            <a:ext cx="10121353" cy="5398055"/>
-          </a:xfrm>
-          <a:prstGeom prst="rect">
-            <a:avLst/>
-          </a:prstGeom>
-        </p:spPr>
-      </p:pic>
       <p:sp>
         <p:nvSpPr>
           <p:cNvPr id="6" name="Slide Number Placeholder 5"/>
@@ -22350,6 +22347,30 @@
           </a:p>
         </p:txBody>
       </p:sp>
+      <p:pic>
+        <p:nvPicPr>
+          <p:cNvPr id="4" name="Picture 3"/>
+          <p:cNvPicPr>
+            <a:picLocks noChangeAspect="1"/>
+          </p:cNvPicPr>
+          <p:nvPr/>
+        </p:nvPicPr>
+        <p:blipFill>
+          <a:blip r:embed="rId2"/>
+          <a:stretch>
+            <a:fillRect/>
+          </a:stretch>
+        </p:blipFill>
+        <p:spPr>
+          <a:xfrm>
+            <a:off x="1001596" y="1144472"/>
+            <a:ext cx="10724298" cy="5100753"/>
+          </a:xfrm>
+          <a:prstGeom prst="rect">
+            <a:avLst/>
+          </a:prstGeom>
+        </p:spPr>
+      </p:pic>
     </p:spTree>
     <p:extLst>
       <p:ext uri="{BB962C8B-B14F-4D97-AF65-F5344CB8AC3E}">
@@ -22415,8 +22436,8 @@
         </p:nvSpPr>
         <p:spPr>
           <a:xfrm>
-            <a:off x="1219200" y="955964"/>
-            <a:ext cx="10363200" cy="5170199"/>
+            <a:off x="1219200" y="1039091"/>
+            <a:ext cx="10363200" cy="5087072"/>
           </a:xfrm>
         </p:spPr>
         <p:txBody>
@@ -22463,7 +22484,7 @@
       </p:sp>
       <p:pic>
         <p:nvPicPr>
-          <p:cNvPr id="6" name="Picture 5"/>
+          <p:cNvPr id="5" name="Picture 4"/>
           <p:cNvPicPr>
             <a:picLocks noChangeAspect="1"/>
           </p:cNvPicPr>
@@ -22477,8 +22498,8 @@
         </p:blipFill>
         <p:spPr>
           <a:xfrm>
-            <a:off x="2666827" y="1553103"/>
-            <a:ext cx="5859106" cy="5216257"/>
+            <a:off x="1515600" y="1635125"/>
+            <a:ext cx="6467475" cy="5086350"/>
           </a:xfrm>
           <a:prstGeom prst="rect">
             <a:avLst/>
@@ -22601,7 +22622,7 @@
       </p:sp>
       <p:pic>
         <p:nvPicPr>
-          <p:cNvPr id="6" name="Picture 5"/>
+          <p:cNvPr id="5" name="Picture 4"/>
           <p:cNvPicPr>
             <a:picLocks noChangeAspect="1"/>
           </p:cNvPicPr>
@@ -22615,8 +22636,8 @@
         </p:blipFill>
         <p:spPr>
           <a:xfrm>
-            <a:off x="1319741" y="1897063"/>
-            <a:ext cx="9559161" cy="4628427"/>
+            <a:off x="1133128" y="1858964"/>
+            <a:ext cx="10127456" cy="4658214"/>
           </a:xfrm>
           <a:prstGeom prst="rect">
             <a:avLst/>

--- a/numpy_egs.pptx
+++ b/numpy_egs.pptx
@@ -21944,6 +21944,10 @@
           <a:bodyPr/>
           <a:lstStyle/>
           <a:p>
+            <a:r>
+              <a:rPr lang="en-US" smtClean="0"/>
+              <a:t>Session Outline</a:t>
+            </a:r>
             <a:endParaRPr lang="en-US"/>
           </a:p>
         </p:txBody>
@@ -21958,7 +21962,12 @@
             <p:ph idx="1"/>
           </p:nvPr>
         </p:nvSpPr>
-        <p:spPr/>
+        <p:spPr>
+          <a:xfrm>
+            <a:off x="1219200" y="1388226"/>
+            <a:ext cx="10363200" cy="4737938"/>
+          </a:xfrm>
+        </p:spPr>
         <p:txBody>
           <a:bodyPr/>
           <a:lstStyle/>
@@ -21991,9 +22000,46 @@
               </a:rPr>
               <a:t>github.com/jrb28/BUAD5042NumpyNumbaMP</a:t>
             </a:r>
+            <a:endParaRPr lang="en-US" dirty="0" smtClean="0"/>
+          </a:p>
+          <a:p>
             <a:r>
               <a:rPr lang="en-US" dirty="0" smtClean="0"/>
-              <a:t> </a:t>
+              <a:t>3 exercises</a:t>
+            </a:r>
+          </a:p>
+          <a:p>
+            <a:r>
+              <a:rPr lang="en-US" dirty="0" smtClean="0"/>
+              <a:t>Breakouts</a:t>
+            </a:r>
+          </a:p>
+          <a:p>
+            <a:pPr lvl="1"/>
+            <a:r>
+              <a:rPr lang="en-US" dirty="0" smtClean="0"/>
+              <a:t>Think of alternatives (5 min)</a:t>
+            </a:r>
+          </a:p>
+          <a:p>
+            <a:pPr lvl="1"/>
+            <a:r>
+              <a:rPr lang="en-US" dirty="0" smtClean="0"/>
+              <a:t>Discussion</a:t>
+            </a:r>
+          </a:p>
+          <a:p>
+            <a:pPr lvl="1"/>
+            <a:r>
+              <a:rPr lang="en-US" dirty="0" smtClean="0"/>
+              <a:t>Code (10-15 min) </a:t>
+            </a:r>
+          </a:p>
+          <a:p>
+            <a:pPr lvl="1"/>
+            <a:r>
+              <a:rPr lang="en-US" dirty="0" smtClean="0"/>
+              <a:t>Discussion </a:t>
             </a:r>
             <a:endParaRPr lang="en-US" dirty="0"/>
           </a:p>
